--- a/Präsentation/Buddyworld.pptx
+++ b/Präsentation/Buddyworld.pptx
@@ -5,7 +5,7 @@
     <p:sldMasterId id="2147483748" r:id="rId1"/>
   </p:sldMasterIdLst>
   <p:notesMasterIdLst>
-    <p:notesMasterId r:id="rId37"/>
+    <p:notesMasterId r:id="rId38"/>
   </p:notesMasterIdLst>
   <p:sldIdLst>
     <p:sldId id="256" r:id="rId2"/>
@@ -43,6 +43,7 @@
     <p:sldId id="295" r:id="rId34"/>
     <p:sldId id="280" r:id="rId35"/>
     <p:sldId id="269" r:id="rId36"/>
+    <p:sldId id="296" r:id="rId37"/>
   </p:sldIdLst>
   <p:sldSz cx="12192000" cy="6858000"/>
   <p:notesSz cx="6858000" cy="9144000"/>
@@ -153,6 +154,7 @@
 <p1510:revInfo xmlns:a="http://schemas.openxmlformats.org/drawingml/2006/main" xmlns:r="http://schemas.openxmlformats.org/officeDocument/2006/relationships" xmlns:p1510="http://schemas.microsoft.com/office/powerpoint/2015/10/main">
   <p1510:revLst>
     <p1510:client id="{74632290-0DF0-A59B-0D67-25F920C9400C}" v="488" dt="2024-06-19T15:41:41.266"/>
+    <p1510:client id="{9667900B-7270-94B8-4775-C12F38F38DDA}" v="6" dt="2024-06-19T15:53:46.129"/>
     <p1510:client id="{A5EE8652-9EC0-23EC-E212-7FC6CEE737E2}" v="30" dt="2024-06-18T07:38:17.476"/>
     <p1510:client id="{BB254E9F-4F7D-ED0C-6E0D-9D04A07F0D64}" v="207" dt="2024-06-19T10:30:26.039"/>
     <p1510:client id="{FD938B74-8708-24F1-F579-A70E2686045E}" v="862" dt="2024-06-18T21:04:27.727"/>
@@ -670,7 +672,7 @@
           <a:lstStyle/>
           <a:p>
             <a:fld id="{1A8B5194-502B-4BD8-82B6-C8D2034959E0}" type="slidenum">
-              <a:t>12</a:t>
+              <a:t>13</a:t>
             </a:fld>
             <a:endParaRPr lang="de-DE"/>
           </a:p>
@@ -756,7 +758,7 @@
           <a:lstStyle/>
           <a:p>
             <a:fld id="{1A8B5194-502B-4BD8-82B6-C8D2034959E0}" type="slidenum">
-              <a:t>13</a:t>
+              <a:t>14</a:t>
             </a:fld>
             <a:endParaRPr lang="de-DE"/>
           </a:p>
@@ -842,7 +844,7 @@
           <a:lstStyle/>
           <a:p>
             <a:fld id="{1A8B5194-502B-4BD8-82B6-C8D2034959E0}" type="slidenum">
-              <a:t>14</a:t>
+              <a:t>15</a:t>
             </a:fld>
             <a:endParaRPr lang="de-DE"/>
           </a:p>
@@ -928,7 +930,7 @@
           <a:lstStyle/>
           <a:p>
             <a:fld id="{1A8B5194-502B-4BD8-82B6-C8D2034959E0}" type="slidenum">
-              <a:t>15</a:t>
+              <a:t>16</a:t>
             </a:fld>
             <a:endParaRPr lang="de-DE"/>
           </a:p>
@@ -1014,7 +1016,7 @@
           <a:lstStyle/>
           <a:p>
             <a:fld id="{1A8B5194-502B-4BD8-82B6-C8D2034959E0}" type="slidenum">
-              <a:t>16</a:t>
+              <a:t>17</a:t>
             </a:fld>
             <a:endParaRPr lang="de-DE"/>
           </a:p>
@@ -1100,7 +1102,7 @@
           <a:lstStyle/>
           <a:p>
             <a:fld id="{1A8B5194-502B-4BD8-82B6-C8D2034959E0}" type="slidenum">
-              <a:t>17</a:t>
+              <a:t>18</a:t>
             </a:fld>
             <a:endParaRPr lang="de-DE"/>
           </a:p>
@@ -1186,7 +1188,7 @@
           <a:lstStyle/>
           <a:p>
             <a:fld id="{1A8B5194-502B-4BD8-82B6-C8D2034959E0}" type="slidenum">
-              <a:t>18</a:t>
+              <a:t>19</a:t>
             </a:fld>
             <a:endParaRPr lang="de-DE"/>
           </a:p>
@@ -1358,7 +1360,7 @@
           <a:lstStyle/>
           <a:p>
             <a:fld id="{1A8B5194-502B-4BD8-82B6-C8D2034959E0}" type="slidenum">
-              <a:t>20</a:t>
+              <a:t>21</a:t>
             </a:fld>
             <a:endParaRPr lang="de-DE"/>
           </a:p>
@@ -1444,7 +1446,7 @@
           <a:lstStyle/>
           <a:p>
             <a:fld id="{1A8B5194-502B-4BD8-82B6-C8D2034959E0}" type="slidenum">
-              <a:t>21</a:t>
+              <a:t>22</a:t>
             </a:fld>
             <a:endParaRPr lang="de-DE"/>
           </a:p>
@@ -1699,7 +1701,7 @@
           <a:lstStyle/>
           <a:p>
             <a:fld id="{1A8B5194-502B-4BD8-82B6-C8D2034959E0}" type="slidenum">
-              <a:t>22</a:t>
+              <a:t>23</a:t>
             </a:fld>
             <a:endParaRPr lang="de-DE"/>
           </a:p>
@@ -1785,7 +1787,7 @@
           <a:lstStyle/>
           <a:p>
             <a:fld id="{1A8B5194-502B-4BD8-82B6-C8D2034959E0}" type="slidenum">
-              <a:t>23</a:t>
+              <a:t>24</a:t>
             </a:fld>
             <a:endParaRPr lang="de-DE"/>
           </a:p>
@@ -1871,7 +1873,7 @@
           <a:lstStyle/>
           <a:p>
             <a:fld id="{1A8B5194-502B-4BD8-82B6-C8D2034959E0}" type="slidenum">
-              <a:t>24</a:t>
+              <a:t>25</a:t>
             </a:fld>
             <a:endParaRPr lang="de-DE"/>
           </a:p>
@@ -1957,7 +1959,7 @@
           <a:lstStyle/>
           <a:p>
             <a:fld id="{1A8B5194-502B-4BD8-82B6-C8D2034959E0}" type="slidenum">
-              <a:t>25</a:t>
+              <a:t>26</a:t>
             </a:fld>
             <a:endParaRPr lang="de-DE"/>
           </a:p>
@@ -2043,7 +2045,7 @@
           <a:lstStyle/>
           <a:p>
             <a:fld id="{1A8B5194-502B-4BD8-82B6-C8D2034959E0}" type="slidenum">
-              <a:t>26</a:t>
+              <a:t>27</a:t>
             </a:fld>
             <a:endParaRPr lang="de-DE"/>
           </a:p>
@@ -2129,7 +2131,7 @@
           <a:lstStyle/>
           <a:p>
             <a:fld id="{1A8B5194-502B-4BD8-82B6-C8D2034959E0}" type="slidenum">
-              <a:t>27</a:t>
+              <a:t>28</a:t>
             </a:fld>
             <a:endParaRPr lang="de-DE"/>
           </a:p>
@@ -2215,7 +2217,7 @@
           <a:lstStyle/>
           <a:p>
             <a:fld id="{1A8B5194-502B-4BD8-82B6-C8D2034959E0}" type="slidenum">
-              <a:t>28</a:t>
+              <a:t>29</a:t>
             </a:fld>
             <a:endParaRPr lang="de-DE"/>
           </a:p>
@@ -2301,7 +2303,7 @@
           <a:lstStyle/>
           <a:p>
             <a:fld id="{1A8B5194-502B-4BD8-82B6-C8D2034959E0}" type="slidenum">
-              <a:t>29</a:t>
+              <a:t>30</a:t>
             </a:fld>
             <a:endParaRPr lang="de-DE"/>
           </a:p>
@@ -2387,7 +2389,7 @@
           <a:lstStyle/>
           <a:p>
             <a:fld id="{1A8B5194-502B-4BD8-82B6-C8D2034959E0}" type="slidenum">
-              <a:t>30</a:t>
+              <a:t>31</a:t>
             </a:fld>
             <a:endParaRPr lang="de-DE"/>
           </a:p>
@@ -2473,7 +2475,7 @@
           <a:lstStyle/>
           <a:p>
             <a:fld id="{1A8B5194-502B-4BD8-82B6-C8D2034959E0}" type="slidenum">
-              <a:t>31</a:t>
+              <a:t>32</a:t>
             </a:fld>
             <a:endParaRPr lang="de-DE"/>
           </a:p>
@@ -2645,7 +2647,7 @@
           <a:lstStyle/>
           <a:p>
             <a:fld id="{1A8B5194-502B-4BD8-82B6-C8D2034959E0}" type="slidenum">
-              <a:t>31</a:t>
+              <a:t>33</a:t>
             </a:fld>
             <a:endParaRPr lang="de-DE"/>
           </a:p>
@@ -2731,7 +2733,7 @@
           <a:lstStyle/>
           <a:p>
             <a:fld id="{1A8B5194-502B-4BD8-82B6-C8D2034959E0}" type="slidenum">
-              <a:t>31</a:t>
+              <a:t>34</a:t>
             </a:fld>
             <a:endParaRPr lang="de-DE"/>
           </a:p>
@@ -2817,7 +2819,7 @@
           <a:lstStyle/>
           <a:p>
             <a:fld id="{1A8B5194-502B-4BD8-82B6-C8D2034959E0}" type="slidenum">
-              <a:t>32</a:t>
+              <a:t>35</a:t>
             </a:fld>
             <a:endParaRPr lang="de-DE"/>
           </a:p>
@@ -2827,6 +2829,92 @@
     <p:extLst>
       <p:ext uri="{BB962C8B-B14F-4D97-AF65-F5344CB8AC3E}">
         <p14:creationId xmlns:p14="http://schemas.microsoft.com/office/powerpoint/2010/main" val="2412928577"/>
+      </p:ext>
+    </p:extLst>
+  </p:cSld>
+  <p:clrMapOvr>
+    <a:masterClrMapping/>
+  </p:clrMapOvr>
+</p:notes>
+</file>
+
+<file path=ppt/notesSlides/notesSlide33.xml><?xml version="1.0" encoding="utf-8"?>
+<p:notes xmlns:a="http://schemas.openxmlformats.org/drawingml/2006/main" xmlns:r="http://schemas.openxmlformats.org/officeDocument/2006/relationships" xmlns:p="http://schemas.openxmlformats.org/presentationml/2006/main">
+  <p:cSld>
+    <p:spTree>
+      <p:nvGrpSpPr>
+        <p:cNvPr id="1" name=""/>
+        <p:cNvGrpSpPr/>
+        <p:nvPr/>
+      </p:nvGrpSpPr>
+      <p:grpSpPr>
+        <a:xfrm>
+          <a:off x="0" y="0"/>
+          <a:ext cx="0" cy="0"/>
+          <a:chOff x="0" y="0"/>
+          <a:chExt cx="0" cy="0"/>
+        </a:xfrm>
+      </p:grpSpPr>
+      <p:sp>
+        <p:nvSpPr>
+          <p:cNvPr id="2" name="Folienbildplatzhalter 1"/>
+          <p:cNvSpPr>
+            <a:spLocks noGrp="1" noRot="1" noChangeAspect="1"/>
+          </p:cNvSpPr>
+          <p:nvPr>
+            <p:ph type="sldImg"/>
+          </p:nvPr>
+        </p:nvSpPr>
+        <p:spPr/>
+      </p:sp>
+      <p:sp>
+        <p:nvSpPr>
+          <p:cNvPr id="3" name="Notizenplatzhalter 2"/>
+          <p:cNvSpPr>
+            <a:spLocks noGrp="1"/>
+          </p:cNvSpPr>
+          <p:nvPr>
+            <p:ph type="body" idx="1"/>
+          </p:nvPr>
+        </p:nvSpPr>
+        <p:spPr/>
+        <p:txBody>
+          <a:bodyPr/>
+          <a:lstStyle/>
+          <a:p>
+            <a:endParaRPr lang="en-US" dirty="0">
+              <a:ea typeface="Calibri"/>
+              <a:cs typeface="Calibri"/>
+            </a:endParaRPr>
+          </a:p>
+        </p:txBody>
+      </p:sp>
+      <p:sp>
+        <p:nvSpPr>
+          <p:cNvPr id="4" name="Foliennummernplatzhalter 3"/>
+          <p:cNvSpPr>
+            <a:spLocks noGrp="1"/>
+          </p:cNvSpPr>
+          <p:nvPr>
+            <p:ph type="sldNum" sz="quarter" idx="5"/>
+          </p:nvPr>
+        </p:nvSpPr>
+        <p:spPr/>
+        <p:txBody>
+          <a:bodyPr/>
+          <a:lstStyle/>
+          <a:p>
+            <a:fld id="{1A8B5194-502B-4BD8-82B6-C8D2034959E0}" type="slidenum">
+              <a:t>36</a:t>
+            </a:fld>
+            <a:endParaRPr lang="de-DE"/>
+          </a:p>
+        </p:txBody>
+      </p:sp>
+    </p:spTree>
+    <p:extLst>
+      <p:ext uri="{BB962C8B-B14F-4D97-AF65-F5344CB8AC3E}">
+        <p14:creationId xmlns:p14="http://schemas.microsoft.com/office/powerpoint/2010/main" val="4147726842"/>
       </p:ext>
     </p:extLst>
   </p:cSld>
@@ -12785,13 +12873,13 @@
   <p:clrMapOvr>
     <a:masterClrMapping/>
   </p:clrMapOvr>
-  <mc:AlternateContent xmlns:mc="http://schemas.openxmlformats.org/markup-compatibility/2006">
-    <mc:Choice xmlns:p159="http://schemas.microsoft.com/office/powerpoint/2015/09/main" Requires="p159">
+  <mc:AlternateContent xmlns:mc="http://schemas.openxmlformats.org/markup-compatibility/2006" xmlns:p159="http://schemas.microsoft.com/office/powerpoint/2015/09/main">
+    <mc:Choice Requires="p159">
       <p:transition xmlns:p14="http://schemas.microsoft.com/office/powerpoint/2010/main" spd="slow" p14:dur="2000">
         <p159:morph option="byObject"/>
       </p:transition>
     </mc:Choice>
-    <mc:Fallback>
+    <mc:Fallback xmlns="">
       <p:transition spd="slow">
         <p:fade/>
       </p:transition>
@@ -15235,13 +15323,13 @@
   <p:clrMapOvr>
     <a:masterClrMapping/>
   </p:clrMapOvr>
-  <mc:AlternateContent xmlns:mc="http://schemas.openxmlformats.org/markup-compatibility/2006">
-    <mc:Choice xmlns:p159="http://schemas.microsoft.com/office/powerpoint/2015/09/main" Requires="p159">
+  <mc:AlternateContent xmlns:mc="http://schemas.openxmlformats.org/markup-compatibility/2006" xmlns:p159="http://schemas.microsoft.com/office/powerpoint/2015/09/main">
+    <mc:Choice Requires="p159">
       <p:transition xmlns:p14="http://schemas.microsoft.com/office/powerpoint/2010/main" spd="slow" p14:dur="2000">
         <p159:morph option="byObject"/>
       </p:transition>
     </mc:Choice>
-    <mc:Fallback>
+    <mc:Fallback xmlns="">
       <p:transition spd="slow">
         <p:fade/>
       </p:transition>
@@ -18407,13 +18495,13 @@
   <p:clrMapOvr>
     <a:masterClrMapping/>
   </p:clrMapOvr>
-  <mc:AlternateContent xmlns:mc="http://schemas.openxmlformats.org/markup-compatibility/2006">
-    <mc:Choice xmlns:p159="http://schemas.microsoft.com/office/powerpoint/2015/09/main" Requires="p159">
+  <mc:AlternateContent xmlns:mc="http://schemas.openxmlformats.org/markup-compatibility/2006" xmlns:p159="http://schemas.microsoft.com/office/powerpoint/2015/09/main">
+    <mc:Choice Requires="p159">
       <p:transition xmlns:p14="http://schemas.microsoft.com/office/powerpoint/2010/main" spd="slow" p14:dur="2000">
         <p159:morph option="byObject"/>
       </p:transition>
     </mc:Choice>
-    <mc:Fallback>
+    <mc:Fallback xmlns="">
       <p:transition spd="slow">
         <p:fade/>
       </p:transition>
@@ -23067,6 +23155,533 @@
     <p:extLst>
       <p:ext uri="{BB962C8B-B14F-4D97-AF65-F5344CB8AC3E}">
         <p14:creationId xmlns:p14="http://schemas.microsoft.com/office/powerpoint/2010/main" val="1700865153"/>
+      </p:ext>
+    </p:extLst>
+  </p:cSld>
+  <p:clrMapOvr>
+    <a:masterClrMapping/>
+  </p:clrMapOvr>
+</p:sld>
+</file>
+
+<file path=ppt/slides/slide36.xml><?xml version="1.0" encoding="utf-8"?>
+<p:sld xmlns:a="http://schemas.openxmlformats.org/drawingml/2006/main" xmlns:r="http://schemas.openxmlformats.org/officeDocument/2006/relationships" xmlns:p="http://schemas.openxmlformats.org/presentationml/2006/main" show="0">
+  <p:cSld>
+    <p:bg>
+      <p:bgPr>
+        <a:solidFill>
+          <a:schemeClr val="bg1"/>
+        </a:solidFill>
+        <a:effectLst/>
+      </p:bgPr>
+    </p:bg>
+    <p:spTree>
+      <p:nvGrpSpPr>
+        <p:cNvPr id="1" name=""/>
+        <p:cNvGrpSpPr/>
+        <p:nvPr/>
+      </p:nvGrpSpPr>
+      <p:grpSpPr>
+        <a:xfrm>
+          <a:off x="0" y="0"/>
+          <a:ext cx="0" cy="0"/>
+          <a:chOff x="0" y="0"/>
+          <a:chExt cx="0" cy="0"/>
+        </a:xfrm>
+      </p:grpSpPr>
+      <p:cxnSp>
+        <p:nvCxnSpPr>
+          <p:cNvPr id="33" name="Straight Connector 32">
+            <a:extLst>
+              <a:ext uri="{FF2B5EF4-FFF2-40B4-BE49-F238E27FC236}">
+                <a16:creationId xmlns:a16="http://schemas.microsoft.com/office/drawing/2014/main" id="{108D74AC-B125-4E11-BA53-E9E383966DF8}"/>
+              </a:ext>
+              <a:ext uri="{C183D7F6-B498-43B3-948B-1728B52AA6E4}">
+                <adec:decorative xmlns:adec="http://schemas.microsoft.com/office/drawing/2017/decorative" val="1"/>
+              </a:ext>
+            </a:extLst>
+          </p:cNvPr>
+          <p:cNvCxnSpPr>
+            <a:cxnSpLocks noGrp="1" noRot="1" noChangeAspect="1" noMove="1" noResize="1" noEditPoints="1" noAdjustHandles="1" noChangeArrowheads="1" noChangeShapeType="1"/>
+          </p:cNvCxnSpPr>
+          <p:nvPr>
+            <p:extLst>
+              <p:ext uri="{386F3935-93C4-4BCD-93E2-E3B085C9AB24}">
+                <p16:designElem xmlns:p16="http://schemas.microsoft.com/office/powerpoint/2015/main" val="1"/>
+              </p:ext>
+            </p:extLst>
+          </p:nvPr>
+        </p:nvCxnSpPr>
+        <p:spPr>
+          <a:xfrm>
+            <a:off x="482600" y="489855"/>
+            <a:ext cx="11147071" cy="0"/>
+          </a:xfrm>
+          <a:prstGeom prst="line">
+            <a:avLst/>
+          </a:prstGeom>
+          <a:ln w="28575">
+            <a:solidFill>
+              <a:schemeClr val="tx2"/>
+            </a:solidFill>
+          </a:ln>
+        </p:spPr>
+        <p:style>
+          <a:lnRef idx="1">
+            <a:schemeClr val="dk1"/>
+          </a:lnRef>
+          <a:fillRef idx="0">
+            <a:schemeClr val="dk1"/>
+          </a:fillRef>
+          <a:effectRef idx="0">
+            <a:schemeClr val="dk1"/>
+          </a:effectRef>
+          <a:fontRef idx="minor">
+            <a:schemeClr val="tx1"/>
+          </a:fontRef>
+        </p:style>
+      </p:cxnSp>
+      <p:cxnSp>
+        <p:nvCxnSpPr>
+          <p:cNvPr id="35" name="Straight Connector 34">
+            <a:extLst>
+              <a:ext uri="{FF2B5EF4-FFF2-40B4-BE49-F238E27FC236}">
+                <a16:creationId xmlns:a16="http://schemas.microsoft.com/office/drawing/2014/main" id="{9DC76EBE-FB9D-4054-B5D8-19E3EAFE40B2}"/>
+              </a:ext>
+              <a:ext uri="{C183D7F6-B498-43B3-948B-1728B52AA6E4}">
+                <adec:decorative xmlns:adec="http://schemas.microsoft.com/office/drawing/2017/decorative" val="1"/>
+              </a:ext>
+            </a:extLst>
+          </p:cNvPr>
+          <p:cNvCxnSpPr>
+            <a:cxnSpLocks noGrp="1" noRot="1" noChangeAspect="1" noMove="1" noResize="1" noEditPoints="1" noAdjustHandles="1" noChangeArrowheads="1" noChangeShapeType="1"/>
+          </p:cNvCxnSpPr>
+          <p:nvPr>
+            <p:extLst>
+              <p:ext uri="{386F3935-93C4-4BCD-93E2-E3B085C9AB24}">
+                <p16:designElem xmlns:p16="http://schemas.microsoft.com/office/powerpoint/2015/main" val="1"/>
+              </p:ext>
+            </p:extLst>
+          </p:nvPr>
+        </p:nvCxnSpPr>
+        <p:spPr>
+          <a:xfrm>
+            <a:off x="482600" y="6368138"/>
+            <a:ext cx="11147071" cy="0"/>
+          </a:xfrm>
+          <a:prstGeom prst="line">
+            <a:avLst/>
+          </a:prstGeom>
+          <a:ln w="28575">
+            <a:solidFill>
+              <a:schemeClr val="tx2"/>
+            </a:solidFill>
+          </a:ln>
+        </p:spPr>
+        <p:style>
+          <a:lnRef idx="1">
+            <a:schemeClr val="dk1"/>
+          </a:lnRef>
+          <a:fillRef idx="0">
+            <a:schemeClr val="dk1"/>
+          </a:fillRef>
+          <a:effectRef idx="0">
+            <a:schemeClr val="dk1"/>
+          </a:effectRef>
+          <a:fontRef idx="minor">
+            <a:schemeClr val="tx1"/>
+          </a:fontRef>
+        </p:style>
+      </p:cxnSp>
+      <p:cxnSp>
+        <p:nvCxnSpPr>
+          <p:cNvPr id="37" name="Straight Connector 36">
+            <a:extLst>
+              <a:ext uri="{FF2B5EF4-FFF2-40B4-BE49-F238E27FC236}">
+                <a16:creationId xmlns:a16="http://schemas.microsoft.com/office/drawing/2014/main" id="{E48FA233-30DB-4D0A-BF51-78D03F79F247}"/>
+              </a:ext>
+              <a:ext uri="{C183D7F6-B498-43B3-948B-1728B52AA6E4}">
+                <adec:decorative xmlns:adec="http://schemas.microsoft.com/office/drawing/2017/decorative" val="1"/>
+              </a:ext>
+            </a:extLst>
+          </p:cNvPr>
+          <p:cNvCxnSpPr>
+            <a:cxnSpLocks noGrp="1" noRot="1" noChangeAspect="1" noMove="1" noResize="1" noEditPoints="1" noAdjustHandles="1" noChangeArrowheads="1" noChangeShapeType="1"/>
+          </p:cNvCxnSpPr>
+          <p:nvPr userDrawn="1">
+            <p:extLst>
+              <p:ext uri="{386F3935-93C4-4BCD-93E2-E3B085C9AB24}">
+                <p16:designElem xmlns:p16="http://schemas.microsoft.com/office/powerpoint/2015/main" val="1"/>
+              </p:ext>
+            </p:extLst>
+          </p:nvPr>
+        </p:nvCxnSpPr>
+        <p:spPr>
+          <a:xfrm>
+            <a:off x="482600" y="489855"/>
+            <a:ext cx="11147071" cy="0"/>
+          </a:xfrm>
+          <a:prstGeom prst="line">
+            <a:avLst/>
+          </a:prstGeom>
+          <a:ln w="28575">
+            <a:solidFill>
+              <a:schemeClr val="tx2"/>
+            </a:solidFill>
+          </a:ln>
+        </p:spPr>
+        <p:style>
+          <a:lnRef idx="1">
+            <a:schemeClr val="dk1"/>
+          </a:lnRef>
+          <a:fillRef idx="0">
+            <a:schemeClr val="dk1"/>
+          </a:fillRef>
+          <a:effectRef idx="0">
+            <a:schemeClr val="dk1"/>
+          </a:effectRef>
+          <a:fontRef idx="minor">
+            <a:schemeClr val="tx1"/>
+          </a:fontRef>
+        </p:style>
+      </p:cxnSp>
+      <p:sp useBgFill="1">
+        <p:nvSpPr>
+          <p:cNvPr id="39" name="Rectangle 38">
+            <a:extLst>
+              <a:ext uri="{FF2B5EF4-FFF2-40B4-BE49-F238E27FC236}">
+                <a16:creationId xmlns:a16="http://schemas.microsoft.com/office/drawing/2014/main" id="{92B0CFF1-78D7-4A83-A95E-71F9E3831622}"/>
+              </a:ext>
+              <a:ext uri="{C183D7F6-B498-43B3-948B-1728B52AA6E4}">
+                <adec:decorative xmlns:adec="http://schemas.microsoft.com/office/drawing/2017/decorative" val="1"/>
+              </a:ext>
+            </a:extLst>
+          </p:cNvPr>
+          <p:cNvSpPr>
+            <a:spLocks noGrp="1" noRot="1" noChangeAspect="1" noMove="1" noResize="1" noEditPoints="1" noAdjustHandles="1" noChangeArrowheads="1" noChangeShapeType="1" noTextEdit="1"/>
+          </p:cNvSpPr>
+          <p:nvPr>
+            <p:extLst>
+              <p:ext uri="{386F3935-93C4-4BCD-93E2-E3B085C9AB24}">
+                <p16:designElem xmlns:p16="http://schemas.microsoft.com/office/powerpoint/2015/main" val="1"/>
+              </p:ext>
+            </p:extLst>
+          </p:nvPr>
+        </p:nvSpPr>
+        <p:spPr>
+          <a:xfrm>
+            <a:off x="0" y="0"/>
+            <a:ext cx="12192000" cy="6858001"/>
+          </a:xfrm>
+          <a:prstGeom prst="rect">
+            <a:avLst/>
+          </a:prstGeom>
+          <a:ln>
+            <a:noFill/>
+          </a:ln>
+        </p:spPr>
+        <p:style>
+          <a:lnRef idx="2">
+            <a:schemeClr val="accent1">
+              <a:shade val="50000"/>
+            </a:schemeClr>
+          </a:lnRef>
+          <a:fillRef idx="1">
+            <a:schemeClr val="accent1"/>
+          </a:fillRef>
+          <a:effectRef idx="0">
+            <a:schemeClr val="accent1"/>
+          </a:effectRef>
+          <a:fontRef idx="minor">
+            <a:schemeClr val="lt1"/>
+          </a:fontRef>
+        </p:style>
+        <p:txBody>
+          <a:bodyPr rtlCol="0" anchor="ctr"/>
+          <a:lstStyle/>
+          <a:p>
+            <a:pPr algn="ctr"/>
+            <a:endParaRPr lang="en-US" dirty="0"/>
+          </a:p>
+        </p:txBody>
+      </p:sp>
+      <p:sp>
+        <p:nvSpPr>
+          <p:cNvPr id="41" name="Rectangle 40">
+            <a:extLst>
+              <a:ext uri="{FF2B5EF4-FFF2-40B4-BE49-F238E27FC236}">
+                <a16:creationId xmlns:a16="http://schemas.microsoft.com/office/drawing/2014/main" id="{C34B9DE3-1715-4EE3-99FA-C9BC12F5DBA1}"/>
+              </a:ext>
+              <a:ext uri="{C183D7F6-B498-43B3-948B-1728B52AA6E4}">
+                <adec:decorative xmlns:adec="http://schemas.microsoft.com/office/drawing/2017/decorative" val="1"/>
+              </a:ext>
+            </a:extLst>
+          </p:cNvPr>
+          <p:cNvSpPr>
+            <a:spLocks noGrp="1" noRot="1" noChangeAspect="1" noMove="1" noResize="1" noEditPoints="1" noAdjustHandles="1" noChangeArrowheads="1" noChangeShapeType="1" noTextEdit="1"/>
+          </p:cNvSpPr>
+          <p:nvPr>
+            <p:extLst>
+              <p:ext uri="{386F3935-93C4-4BCD-93E2-E3B085C9AB24}">
+                <p16:designElem xmlns:p16="http://schemas.microsoft.com/office/powerpoint/2015/main" val="1"/>
+              </p:ext>
+            </p:extLst>
+          </p:nvPr>
+        </p:nvSpPr>
+        <p:spPr>
+          <a:xfrm>
+            <a:off x="0" y="0"/>
+            <a:ext cx="12192000" cy="6858001"/>
+          </a:xfrm>
+          <a:prstGeom prst="rect">
+            <a:avLst/>
+          </a:prstGeom>
+          <a:solidFill>
+            <a:srgbClr val="000000"/>
+          </a:solidFill>
+          <a:ln>
+            <a:noFill/>
+          </a:ln>
+        </p:spPr>
+        <p:style>
+          <a:lnRef idx="2">
+            <a:schemeClr val="accent1">
+              <a:shade val="50000"/>
+            </a:schemeClr>
+          </a:lnRef>
+          <a:fillRef idx="1">
+            <a:schemeClr val="accent1"/>
+          </a:fillRef>
+          <a:effectRef idx="0">
+            <a:schemeClr val="accent1"/>
+          </a:effectRef>
+          <a:fontRef idx="minor">
+            <a:schemeClr val="lt1"/>
+          </a:fontRef>
+        </p:style>
+        <p:txBody>
+          <a:bodyPr rtlCol="0" anchor="ctr"/>
+          <a:lstStyle/>
+          <a:p>
+            <a:pPr algn="ctr"/>
+            <a:endParaRPr lang="en-US"/>
+          </a:p>
+        </p:txBody>
+      </p:sp>
+      <p:pic>
+        <p:nvPicPr>
+          <p:cNvPr id="4" name="Picture 3">
+            <a:extLst>
+              <a:ext uri="{FF2B5EF4-FFF2-40B4-BE49-F238E27FC236}">
+                <a16:creationId xmlns:a16="http://schemas.microsoft.com/office/drawing/2014/main" id="{E8921BBF-F76D-662F-5704-58A6F4531CB0}"/>
+              </a:ext>
+            </a:extLst>
+          </p:cNvPr>
+          <p:cNvPicPr>
+            <a:picLocks noChangeAspect="1"/>
+          </p:cNvPicPr>
+          <p:nvPr/>
+        </p:nvPicPr>
+        <p:blipFill rotWithShape="1">
+          <a:blip r:embed="rId3">
+            <a:alphaModFix amt="40000"/>
+          </a:blip>
+          <a:srcRect t="28492" r="-1" b="15243"/>
+          <a:stretch/>
+        </p:blipFill>
+        <p:spPr>
+          <a:xfrm>
+            <a:off x="20" y="10"/>
+            <a:ext cx="12188932" cy="6857990"/>
+          </a:xfrm>
+          <a:prstGeom prst="rect">
+            <a:avLst/>
+          </a:prstGeom>
+        </p:spPr>
+      </p:pic>
+      <p:sp>
+        <p:nvSpPr>
+          <p:cNvPr id="2" name="Titel 1"/>
+          <p:cNvSpPr>
+            <a:spLocks noGrp="1"/>
+          </p:cNvSpPr>
+          <p:nvPr>
+            <p:ph type="ctrTitle"/>
+          </p:nvPr>
+        </p:nvSpPr>
+        <p:spPr>
+          <a:xfrm>
+            <a:off x="492370" y="799418"/>
+            <a:ext cx="10234244" cy="2929357"/>
+          </a:xfrm>
+        </p:spPr>
+        <p:txBody>
+          <a:bodyPr vert="horz" lIns="91440" tIns="45720" rIns="91440" bIns="45720" rtlCol="0" anchor="t">
+            <a:normAutofit/>
+          </a:bodyPr>
+          <a:lstStyle/>
+          <a:p>
+            <a:r>
+              <a:rPr lang="en-US" dirty="0">
+                <a:solidFill>
+                  <a:srgbClr val="FFFFFF"/>
+                </a:solidFill>
+              </a:rPr>
+              <a:t>GitHub</a:t>
+            </a:r>
+            <a:endParaRPr lang="de-DE" dirty="0"/>
+          </a:p>
+        </p:txBody>
+      </p:sp>
+      <p:cxnSp>
+        <p:nvCxnSpPr>
+          <p:cNvPr id="43" name="Straight Connector 42">
+            <a:extLst>
+              <a:ext uri="{FF2B5EF4-FFF2-40B4-BE49-F238E27FC236}">
+                <a16:creationId xmlns:a16="http://schemas.microsoft.com/office/drawing/2014/main" id="{6108BD3D-CFD0-4A15-ACF6-EBC254CD7CF1}"/>
+              </a:ext>
+              <a:ext uri="{C183D7F6-B498-43B3-948B-1728B52AA6E4}">
+                <adec:decorative xmlns:adec="http://schemas.microsoft.com/office/drawing/2017/decorative" val="1"/>
+              </a:ext>
+            </a:extLst>
+          </p:cNvPr>
+          <p:cNvCxnSpPr>
+            <a:cxnSpLocks noGrp="1" noRot="1" noChangeAspect="1" noMove="1" noResize="1" noEditPoints="1" noAdjustHandles="1" noChangeArrowheads="1" noChangeShapeType="1"/>
+          </p:cNvCxnSpPr>
+          <p:nvPr>
+            <p:extLst>
+              <p:ext uri="{386F3935-93C4-4BCD-93E2-E3B085C9AB24}">
+                <p16:designElem xmlns:p16="http://schemas.microsoft.com/office/powerpoint/2015/main" val="1"/>
+              </p:ext>
+            </p:extLst>
+          </p:nvPr>
+        </p:nvCxnSpPr>
+        <p:spPr>
+          <a:xfrm>
+            <a:off x="482600" y="489855"/>
+            <a:ext cx="11147071" cy="0"/>
+          </a:xfrm>
+          <a:prstGeom prst="line">
+            <a:avLst/>
+          </a:prstGeom>
+          <a:ln w="28575">
+            <a:solidFill>
+              <a:srgbClr val="FFFFFF"/>
+            </a:solidFill>
+          </a:ln>
+        </p:spPr>
+        <p:style>
+          <a:lnRef idx="1">
+            <a:schemeClr val="dk1"/>
+          </a:lnRef>
+          <a:fillRef idx="0">
+            <a:schemeClr val="dk1"/>
+          </a:fillRef>
+          <a:effectRef idx="0">
+            <a:schemeClr val="dk1"/>
+          </a:effectRef>
+          <a:fontRef idx="minor">
+            <a:schemeClr val="tx1"/>
+          </a:fontRef>
+        </p:style>
+      </p:cxnSp>
+      <p:sp>
+        <p:nvSpPr>
+          <p:cNvPr id="3" name="Untertitel 2"/>
+          <p:cNvSpPr>
+            <a:spLocks noGrp="1"/>
+          </p:cNvSpPr>
+          <p:nvPr>
+            <p:ph type="subTitle" idx="1"/>
+          </p:nvPr>
+        </p:nvSpPr>
+        <p:spPr>
+          <a:xfrm>
+            <a:off x="488461" y="3728775"/>
+            <a:ext cx="11141209" cy="2299681"/>
+          </a:xfrm>
+        </p:spPr>
+        <p:txBody>
+          <a:bodyPr vert="horz" lIns="91440" tIns="45720" rIns="91440" bIns="45720" rtlCol="0" anchor="b">
+            <a:noAutofit/>
+          </a:bodyPr>
+          <a:lstStyle/>
+          <a:p>
+            <a:pPr>
+              <a:lnSpc>
+                <a:spcPct val="90000"/>
+              </a:lnSpc>
+            </a:pPr>
+            <a:r>
+              <a:rPr lang="en-US" sz="2000" dirty="0">
+                <a:solidFill>
+                  <a:srgbClr val="FFFFFF"/>
+                </a:solidFill>
+                <a:ea typeface="+mn-lt"/>
+                <a:cs typeface="+mn-lt"/>
+              </a:rPr>
+              <a:t>https://github.com/0Kseno0/Buddyworld</a:t>
+            </a:r>
+            <a:endParaRPr lang="de-DE" dirty="0"/>
+          </a:p>
+        </p:txBody>
+      </p:sp>
+      <p:cxnSp>
+        <p:nvCxnSpPr>
+          <p:cNvPr id="45" name="Straight Connector 44">
+            <a:extLst>
+              <a:ext uri="{FF2B5EF4-FFF2-40B4-BE49-F238E27FC236}">
+                <a16:creationId xmlns:a16="http://schemas.microsoft.com/office/drawing/2014/main" id="{DB2019E5-6C31-4640-A135-6BBA7FFCF694}"/>
+              </a:ext>
+              <a:ext uri="{C183D7F6-B498-43B3-948B-1728B52AA6E4}">
+                <adec:decorative xmlns:adec="http://schemas.microsoft.com/office/drawing/2017/decorative" val="1"/>
+              </a:ext>
+            </a:extLst>
+          </p:cNvPr>
+          <p:cNvCxnSpPr>
+            <a:cxnSpLocks noGrp="1" noRot="1" noChangeAspect="1" noMove="1" noResize="1" noEditPoints="1" noAdjustHandles="1" noChangeArrowheads="1" noChangeShapeType="1"/>
+          </p:cNvCxnSpPr>
+          <p:nvPr>
+            <p:extLst>
+              <p:ext uri="{386F3935-93C4-4BCD-93E2-E3B085C9AB24}">
+                <p16:designElem xmlns:p16="http://schemas.microsoft.com/office/powerpoint/2015/main" val="1"/>
+              </p:ext>
+            </p:extLst>
+          </p:nvPr>
+        </p:nvCxnSpPr>
+        <p:spPr>
+          <a:xfrm>
+            <a:off x="482600" y="6368138"/>
+            <a:ext cx="11147071" cy="0"/>
+          </a:xfrm>
+          <a:prstGeom prst="line">
+            <a:avLst/>
+          </a:prstGeom>
+          <a:ln w="28575">
+            <a:solidFill>
+              <a:srgbClr val="FFFFFF"/>
+            </a:solidFill>
+          </a:ln>
+        </p:spPr>
+        <p:style>
+          <a:lnRef idx="1">
+            <a:schemeClr val="dk1"/>
+          </a:lnRef>
+          <a:fillRef idx="0">
+            <a:schemeClr val="dk1"/>
+          </a:fillRef>
+          <a:effectRef idx="0">
+            <a:schemeClr val="dk1"/>
+          </a:effectRef>
+          <a:fontRef idx="minor">
+            <a:schemeClr val="tx1"/>
+          </a:fontRef>
+        </p:style>
+      </p:cxnSp>
+    </p:spTree>
+    <p:extLst>
+      <p:ext uri="{BB962C8B-B14F-4D97-AF65-F5344CB8AC3E}">
+        <p14:creationId xmlns:p14="http://schemas.microsoft.com/office/powerpoint/2010/main" val="4211026481"/>
       </p:ext>
     </p:extLst>
   </p:cSld>
